--- a/Progress/Progress Report.pptx
+++ b/Progress/Progress Report.pptx
@@ -5,12 +5,17 @@
     <p:sldMasterId id="2147483648" r:id="rId4"/>
   </p:sldMasterIdLst>
   <p:notesMasterIdLst>
-    <p:notesMasterId r:id="rId8"/>
+    <p:notesMasterId r:id="rId13"/>
   </p:notesMasterIdLst>
   <p:sldIdLst>
     <p:sldId id="414" r:id="rId5"/>
-    <p:sldId id="417" r:id="rId6"/>
-    <p:sldId id="415" r:id="rId7"/>
+    <p:sldId id="415" r:id="rId6"/>
+    <p:sldId id="416" r:id="rId7"/>
+    <p:sldId id="419" r:id="rId8"/>
+    <p:sldId id="420" r:id="rId9"/>
+    <p:sldId id="421" r:id="rId10"/>
+    <p:sldId id="422" r:id="rId11"/>
+    <p:sldId id="423" r:id="rId12"/>
   </p:sldIdLst>
   <p:sldSz cx="12192000" cy="6858000"/>
   <p:notesSz cx="6858000" cy="9144000"/>
@@ -220,7 +225,7 @@
           <a:p>
             <a:fld id="{8BD69B49-EEFB-4B49-ACAD-82B53A8DDF70}" type="datetimeFigureOut">
               <a:rPr lang="en-US" smtClean="0"/>
-              <a:t>8/10/2023</a:t>
+              <a:t>8/11/2023</a:t>
             </a:fld>
             <a:endParaRPr lang="en-US"/>
           </a:p>
@@ -765,6 +770,776 @@
     <p:extLst>
       <p:ext uri="{BB962C8B-B14F-4D97-AF65-F5344CB8AC3E}">
         <p14:creationId xmlns:p14="http://schemas.microsoft.com/office/powerpoint/2010/main" val="1851245088"/>
+      </p:ext>
+    </p:extLst>
+  </p:cSld>
+  <p:clrMapOvr>
+    <a:masterClrMapping/>
+  </p:clrMapOvr>
+</p:notes>
+</file>
+
+<file path=ppt/notesSlides/notesSlide2.xml><?xml version="1.0" encoding="utf-8"?>
+<p:notes xmlns:a="http://schemas.openxmlformats.org/drawingml/2006/main" xmlns:r="http://schemas.openxmlformats.org/officeDocument/2006/relationships" xmlns:p="http://schemas.openxmlformats.org/presentationml/2006/main">
+  <p:cSld>
+    <p:spTree>
+      <p:nvGrpSpPr>
+        <p:cNvPr id="1" name=""/>
+        <p:cNvGrpSpPr/>
+        <p:nvPr/>
+      </p:nvGrpSpPr>
+      <p:grpSpPr>
+        <a:xfrm>
+          <a:off x="0" y="0"/>
+          <a:ext cx="0" cy="0"/>
+          <a:chOff x="0" y="0"/>
+          <a:chExt cx="0" cy="0"/>
+        </a:xfrm>
+      </p:grpSpPr>
+      <p:sp>
+        <p:nvSpPr>
+          <p:cNvPr id="2" name="Slide Image Placeholder 1"/>
+          <p:cNvSpPr>
+            <a:spLocks noGrp="1" noRot="1" noChangeAspect="1"/>
+          </p:cNvSpPr>
+          <p:nvPr>
+            <p:ph type="sldImg"/>
+          </p:nvPr>
+        </p:nvSpPr>
+        <p:spPr/>
+      </p:sp>
+      <p:sp>
+        <p:nvSpPr>
+          <p:cNvPr id="3" name="Notes Placeholder 2"/>
+          <p:cNvSpPr>
+            <a:spLocks noGrp="1"/>
+          </p:cNvSpPr>
+          <p:nvPr>
+            <p:ph type="body" idx="1"/>
+          </p:nvPr>
+        </p:nvSpPr>
+        <p:spPr/>
+        <p:txBody>
+          <a:bodyPr/>
+          <a:lstStyle/>
+          <a:p>
+            <a:r>
+              <a:rPr lang="en-GB" dirty="0"/>
+              <a:t>Introduce the topic and the speaker </a:t>
+            </a:r>
+          </a:p>
+          <a:p>
+            <a:r>
+              <a:rPr lang="en-GB" dirty="0"/>
+              <a:t>Give a short overview of the presentation </a:t>
+            </a:r>
+          </a:p>
+          <a:p>
+            <a:r>
+              <a:rPr lang="en-GB" dirty="0"/>
+              <a:t>Give the background to the topic - context is important </a:t>
+            </a:r>
+          </a:p>
+          <a:p>
+            <a:r>
+              <a:rPr lang="en-GB" dirty="0"/>
+              <a:t>Clear problem statement and description of the objectives </a:t>
+            </a:r>
+          </a:p>
+          <a:p>
+            <a:r>
+              <a:rPr lang="en-GB" dirty="0"/>
+              <a:t>Summary of the approach or strategy that was or will be used</a:t>
+            </a:r>
+          </a:p>
+          <a:p>
+            <a:endParaRPr lang="en-GB" dirty="0"/>
+          </a:p>
+          <a:p>
+            <a:r>
+              <a:rPr lang="en-GB" dirty="0"/>
+              <a:t>List objectives</a:t>
+            </a:r>
+          </a:p>
+          <a:p>
+            <a:r>
+              <a:rPr lang="en-GB" dirty="0"/>
+              <a:t>Comment on progress</a:t>
+            </a:r>
+          </a:p>
+        </p:txBody>
+      </p:sp>
+      <p:sp>
+        <p:nvSpPr>
+          <p:cNvPr id="4" name="Slide Number Placeholder 3"/>
+          <p:cNvSpPr>
+            <a:spLocks noGrp="1"/>
+          </p:cNvSpPr>
+          <p:nvPr>
+            <p:ph type="sldNum" sz="quarter" idx="5"/>
+          </p:nvPr>
+        </p:nvSpPr>
+        <p:spPr/>
+        <p:txBody>
+          <a:bodyPr/>
+          <a:lstStyle/>
+          <a:p>
+            <a:fld id="{99BF6EFC-B03E-874C-9CD9-41B66C8AE1E7}" type="slidenum">
+              <a:rPr lang="en-US" smtClean="0"/>
+              <a:t>2</a:t>
+            </a:fld>
+            <a:endParaRPr lang="en-US"/>
+          </a:p>
+        </p:txBody>
+      </p:sp>
+    </p:spTree>
+    <p:extLst>
+      <p:ext uri="{BB962C8B-B14F-4D97-AF65-F5344CB8AC3E}">
+        <p14:creationId xmlns:p14="http://schemas.microsoft.com/office/powerpoint/2010/main" val="476193719"/>
+      </p:ext>
+    </p:extLst>
+  </p:cSld>
+  <p:clrMapOvr>
+    <a:masterClrMapping/>
+  </p:clrMapOvr>
+</p:notes>
+</file>
+
+<file path=ppt/notesSlides/notesSlide3.xml><?xml version="1.0" encoding="utf-8"?>
+<p:notes xmlns:a="http://schemas.openxmlformats.org/drawingml/2006/main" xmlns:r="http://schemas.openxmlformats.org/officeDocument/2006/relationships" xmlns:p="http://schemas.openxmlformats.org/presentationml/2006/main">
+  <p:cSld>
+    <p:spTree>
+      <p:nvGrpSpPr>
+        <p:cNvPr id="1" name=""/>
+        <p:cNvGrpSpPr/>
+        <p:nvPr/>
+      </p:nvGrpSpPr>
+      <p:grpSpPr>
+        <a:xfrm>
+          <a:off x="0" y="0"/>
+          <a:ext cx="0" cy="0"/>
+          <a:chOff x="0" y="0"/>
+          <a:chExt cx="0" cy="0"/>
+        </a:xfrm>
+      </p:grpSpPr>
+      <p:sp>
+        <p:nvSpPr>
+          <p:cNvPr id="2" name="Slide Image Placeholder 1"/>
+          <p:cNvSpPr>
+            <a:spLocks noGrp="1" noRot="1" noChangeAspect="1"/>
+          </p:cNvSpPr>
+          <p:nvPr>
+            <p:ph type="sldImg"/>
+          </p:nvPr>
+        </p:nvSpPr>
+        <p:spPr/>
+      </p:sp>
+      <p:sp>
+        <p:nvSpPr>
+          <p:cNvPr id="3" name="Notes Placeholder 2"/>
+          <p:cNvSpPr>
+            <a:spLocks noGrp="1"/>
+          </p:cNvSpPr>
+          <p:nvPr>
+            <p:ph type="body" idx="1"/>
+          </p:nvPr>
+        </p:nvSpPr>
+        <p:spPr/>
+        <p:txBody>
+          <a:bodyPr/>
+          <a:lstStyle/>
+          <a:p>
+            <a:r>
+              <a:rPr lang="en-GB" dirty="0"/>
+              <a:t>List previous projects, include graphics for a timeline</a:t>
+            </a:r>
+          </a:p>
+          <a:p>
+            <a:r>
+              <a:rPr lang="en-GB" dirty="0"/>
+              <a:t>Describe problems each faced, and successes</a:t>
+            </a:r>
+          </a:p>
+          <a:p>
+            <a:endParaRPr lang="en-GB" dirty="0"/>
+          </a:p>
+          <a:p>
+            <a:r>
+              <a:rPr lang="en-GB" dirty="0"/>
+              <a:t>Describe how my project differs</a:t>
+            </a:r>
+          </a:p>
+        </p:txBody>
+      </p:sp>
+      <p:sp>
+        <p:nvSpPr>
+          <p:cNvPr id="4" name="Slide Number Placeholder 3"/>
+          <p:cNvSpPr>
+            <a:spLocks noGrp="1"/>
+          </p:cNvSpPr>
+          <p:nvPr>
+            <p:ph type="sldNum" sz="quarter" idx="5"/>
+          </p:nvPr>
+        </p:nvSpPr>
+        <p:spPr/>
+        <p:txBody>
+          <a:bodyPr/>
+          <a:lstStyle/>
+          <a:p>
+            <a:fld id="{99BF6EFC-B03E-874C-9CD9-41B66C8AE1E7}" type="slidenum">
+              <a:rPr lang="en-US" smtClean="0"/>
+              <a:t>3</a:t>
+            </a:fld>
+            <a:endParaRPr lang="en-US"/>
+          </a:p>
+        </p:txBody>
+      </p:sp>
+    </p:spTree>
+    <p:extLst>
+      <p:ext uri="{BB962C8B-B14F-4D97-AF65-F5344CB8AC3E}">
+        <p14:creationId xmlns:p14="http://schemas.microsoft.com/office/powerpoint/2010/main" val="1517833476"/>
+      </p:ext>
+    </p:extLst>
+  </p:cSld>
+  <p:clrMapOvr>
+    <a:masterClrMapping/>
+  </p:clrMapOvr>
+</p:notes>
+</file>
+
+<file path=ppt/notesSlides/notesSlide4.xml><?xml version="1.0" encoding="utf-8"?>
+<p:notes xmlns:a="http://schemas.openxmlformats.org/drawingml/2006/main" xmlns:r="http://schemas.openxmlformats.org/officeDocument/2006/relationships" xmlns:p="http://schemas.openxmlformats.org/presentationml/2006/main">
+  <p:cSld>
+    <p:spTree>
+      <p:nvGrpSpPr>
+        <p:cNvPr id="1" name=""/>
+        <p:cNvGrpSpPr/>
+        <p:nvPr/>
+      </p:nvGrpSpPr>
+      <p:grpSpPr>
+        <a:xfrm>
+          <a:off x="0" y="0"/>
+          <a:ext cx="0" cy="0"/>
+          <a:chOff x="0" y="0"/>
+          <a:chExt cx="0" cy="0"/>
+        </a:xfrm>
+      </p:grpSpPr>
+      <p:sp>
+        <p:nvSpPr>
+          <p:cNvPr id="2" name="Slide Image Placeholder 1"/>
+          <p:cNvSpPr>
+            <a:spLocks noGrp="1" noRot="1" noChangeAspect="1"/>
+          </p:cNvSpPr>
+          <p:nvPr>
+            <p:ph type="sldImg"/>
+          </p:nvPr>
+        </p:nvSpPr>
+        <p:spPr/>
+      </p:sp>
+      <p:sp>
+        <p:nvSpPr>
+          <p:cNvPr id="3" name="Notes Placeholder 2"/>
+          <p:cNvSpPr>
+            <a:spLocks noGrp="1"/>
+          </p:cNvSpPr>
+          <p:nvPr>
+            <p:ph type="body" idx="1"/>
+          </p:nvPr>
+        </p:nvSpPr>
+        <p:spPr/>
+        <p:txBody>
+          <a:bodyPr/>
+          <a:lstStyle/>
+          <a:p>
+            <a:r>
+              <a:rPr lang="en-GB" dirty="0"/>
+              <a:t>Describe process for mathematical model –set of equations, substitution etc.</a:t>
+            </a:r>
+          </a:p>
+          <a:p>
+            <a:r>
+              <a:rPr lang="en-GB" dirty="0"/>
+              <a:t>Describe process for simulation – </a:t>
+            </a:r>
+            <a:r>
+              <a:rPr lang="en-GB" dirty="0" err="1"/>
+              <a:t>pydrake</a:t>
+            </a:r>
+            <a:r>
+              <a:rPr lang="en-GB" dirty="0"/>
+              <a:t> – </a:t>
+            </a:r>
+            <a:r>
+              <a:rPr lang="en-GB" dirty="0" err="1"/>
+              <a:t>sdformat</a:t>
+            </a:r>
+            <a:r>
+              <a:rPr lang="en-GB" dirty="0"/>
+              <a:t> – </a:t>
+            </a:r>
+            <a:r>
+              <a:rPr lang="en-GB" dirty="0" err="1"/>
+              <a:t>onshape</a:t>
+            </a:r>
+            <a:r>
+              <a:rPr lang="en-GB" dirty="0"/>
+              <a:t> etc. include video</a:t>
+            </a:r>
+          </a:p>
+          <a:p>
+            <a:r>
+              <a:rPr lang="en-GB" dirty="0"/>
+              <a:t>Discuss potential limitations</a:t>
+            </a:r>
+          </a:p>
+          <a:p>
+            <a:endParaRPr lang="en-GB" dirty="0"/>
+          </a:p>
+        </p:txBody>
+      </p:sp>
+      <p:sp>
+        <p:nvSpPr>
+          <p:cNvPr id="4" name="Slide Number Placeholder 3"/>
+          <p:cNvSpPr>
+            <a:spLocks noGrp="1"/>
+          </p:cNvSpPr>
+          <p:nvPr>
+            <p:ph type="sldNum" sz="quarter" idx="5"/>
+          </p:nvPr>
+        </p:nvSpPr>
+        <p:spPr/>
+        <p:txBody>
+          <a:bodyPr/>
+          <a:lstStyle/>
+          <a:p>
+            <a:fld id="{99BF6EFC-B03E-874C-9CD9-41B66C8AE1E7}" type="slidenum">
+              <a:rPr lang="en-US" smtClean="0"/>
+              <a:t>4</a:t>
+            </a:fld>
+            <a:endParaRPr lang="en-US"/>
+          </a:p>
+        </p:txBody>
+      </p:sp>
+    </p:spTree>
+    <p:extLst>
+      <p:ext uri="{BB962C8B-B14F-4D97-AF65-F5344CB8AC3E}">
+        <p14:creationId xmlns:p14="http://schemas.microsoft.com/office/powerpoint/2010/main" val="1761940959"/>
+      </p:ext>
+    </p:extLst>
+  </p:cSld>
+  <p:clrMapOvr>
+    <a:masterClrMapping/>
+  </p:clrMapOvr>
+</p:notes>
+</file>
+
+<file path=ppt/notesSlides/notesSlide5.xml><?xml version="1.0" encoding="utf-8"?>
+<p:notes xmlns:a="http://schemas.openxmlformats.org/drawingml/2006/main" xmlns:r="http://schemas.openxmlformats.org/officeDocument/2006/relationships" xmlns:p="http://schemas.openxmlformats.org/presentationml/2006/main">
+  <p:cSld>
+    <p:spTree>
+      <p:nvGrpSpPr>
+        <p:cNvPr id="1" name=""/>
+        <p:cNvGrpSpPr/>
+        <p:nvPr/>
+      </p:nvGrpSpPr>
+      <p:grpSpPr>
+        <a:xfrm>
+          <a:off x="0" y="0"/>
+          <a:ext cx="0" cy="0"/>
+          <a:chOff x="0" y="0"/>
+          <a:chExt cx="0" cy="0"/>
+        </a:xfrm>
+      </p:grpSpPr>
+      <p:sp>
+        <p:nvSpPr>
+          <p:cNvPr id="2" name="Slide Image Placeholder 1"/>
+          <p:cNvSpPr>
+            <a:spLocks noGrp="1" noRot="1" noChangeAspect="1"/>
+          </p:cNvSpPr>
+          <p:nvPr>
+            <p:ph type="sldImg"/>
+          </p:nvPr>
+        </p:nvSpPr>
+        <p:spPr/>
+      </p:sp>
+      <p:sp>
+        <p:nvSpPr>
+          <p:cNvPr id="3" name="Notes Placeholder 2"/>
+          <p:cNvSpPr>
+            <a:spLocks noGrp="1"/>
+          </p:cNvSpPr>
+          <p:nvPr>
+            <p:ph type="body" idx="1"/>
+          </p:nvPr>
+        </p:nvSpPr>
+        <p:spPr/>
+        <p:txBody>
+          <a:bodyPr/>
+          <a:lstStyle/>
+          <a:p>
+            <a:r>
+              <a:rPr lang="en-GB" dirty="0"/>
+              <a:t>Discuss construction of physical device – use different motors/gearbox – laser cut parts – file shafts manually</a:t>
+            </a:r>
+          </a:p>
+          <a:p>
+            <a:r>
+              <a:rPr lang="en-GB" dirty="0"/>
+              <a:t>Discuss controller – design – components</a:t>
+            </a:r>
+          </a:p>
+          <a:p>
+            <a:r>
+              <a:rPr lang="en-GB" dirty="0"/>
+              <a:t>Discuss testing – success, limitations, video </a:t>
+            </a:r>
+          </a:p>
+        </p:txBody>
+      </p:sp>
+      <p:sp>
+        <p:nvSpPr>
+          <p:cNvPr id="4" name="Slide Number Placeholder 3"/>
+          <p:cNvSpPr>
+            <a:spLocks noGrp="1"/>
+          </p:cNvSpPr>
+          <p:nvPr>
+            <p:ph type="sldNum" sz="quarter" idx="5"/>
+          </p:nvPr>
+        </p:nvSpPr>
+        <p:spPr/>
+        <p:txBody>
+          <a:bodyPr/>
+          <a:lstStyle/>
+          <a:p>
+            <a:fld id="{99BF6EFC-B03E-874C-9CD9-41B66C8AE1E7}" type="slidenum">
+              <a:rPr lang="en-US" smtClean="0"/>
+              <a:t>5</a:t>
+            </a:fld>
+            <a:endParaRPr lang="en-US"/>
+          </a:p>
+        </p:txBody>
+      </p:sp>
+    </p:spTree>
+    <p:extLst>
+      <p:ext uri="{BB962C8B-B14F-4D97-AF65-F5344CB8AC3E}">
+        <p14:creationId xmlns:p14="http://schemas.microsoft.com/office/powerpoint/2010/main" val="2764991634"/>
+      </p:ext>
+    </p:extLst>
+  </p:cSld>
+  <p:clrMapOvr>
+    <a:masterClrMapping/>
+  </p:clrMapOvr>
+</p:notes>
+</file>
+
+<file path=ppt/notesSlides/notesSlide6.xml><?xml version="1.0" encoding="utf-8"?>
+<p:notes xmlns:a="http://schemas.openxmlformats.org/drawingml/2006/main" xmlns:r="http://schemas.openxmlformats.org/officeDocument/2006/relationships" xmlns:p="http://schemas.openxmlformats.org/presentationml/2006/main">
+  <p:cSld>
+    <p:spTree>
+      <p:nvGrpSpPr>
+        <p:cNvPr id="1" name=""/>
+        <p:cNvGrpSpPr/>
+        <p:nvPr/>
+      </p:nvGrpSpPr>
+      <p:grpSpPr>
+        <a:xfrm>
+          <a:off x="0" y="0"/>
+          <a:ext cx="0" cy="0"/>
+          <a:chOff x="0" y="0"/>
+          <a:chExt cx="0" cy="0"/>
+        </a:xfrm>
+      </p:grpSpPr>
+      <p:sp>
+        <p:nvSpPr>
+          <p:cNvPr id="2" name="Slide Image Placeholder 1"/>
+          <p:cNvSpPr>
+            <a:spLocks noGrp="1" noRot="1" noChangeAspect="1"/>
+          </p:cNvSpPr>
+          <p:nvPr>
+            <p:ph type="sldImg"/>
+          </p:nvPr>
+        </p:nvSpPr>
+        <p:spPr/>
+      </p:sp>
+      <p:sp>
+        <p:nvSpPr>
+          <p:cNvPr id="3" name="Notes Placeholder 2"/>
+          <p:cNvSpPr>
+            <a:spLocks noGrp="1"/>
+          </p:cNvSpPr>
+          <p:nvPr>
+            <p:ph type="body" idx="1"/>
+          </p:nvPr>
+        </p:nvSpPr>
+        <p:spPr/>
+        <p:txBody>
+          <a:bodyPr/>
+          <a:lstStyle/>
+          <a:p>
+            <a:r>
+              <a:rPr lang="en-GB" dirty="0"/>
+              <a:t>Safety information – keep voltages low, avoid moving parts, disconnect device before handling it - fingers</a:t>
+            </a:r>
+          </a:p>
+        </p:txBody>
+      </p:sp>
+      <p:sp>
+        <p:nvSpPr>
+          <p:cNvPr id="4" name="Slide Number Placeholder 3"/>
+          <p:cNvSpPr>
+            <a:spLocks noGrp="1"/>
+          </p:cNvSpPr>
+          <p:nvPr>
+            <p:ph type="sldNum" sz="quarter" idx="5"/>
+          </p:nvPr>
+        </p:nvSpPr>
+        <p:spPr/>
+        <p:txBody>
+          <a:bodyPr/>
+          <a:lstStyle/>
+          <a:p>
+            <a:fld id="{99BF6EFC-B03E-874C-9CD9-41B66C8AE1E7}" type="slidenum">
+              <a:rPr lang="en-US" smtClean="0"/>
+              <a:t>6</a:t>
+            </a:fld>
+            <a:endParaRPr lang="en-US"/>
+          </a:p>
+        </p:txBody>
+      </p:sp>
+    </p:spTree>
+    <p:extLst>
+      <p:ext uri="{BB962C8B-B14F-4D97-AF65-F5344CB8AC3E}">
+        <p14:creationId xmlns:p14="http://schemas.microsoft.com/office/powerpoint/2010/main" val="1439749966"/>
+      </p:ext>
+    </p:extLst>
+  </p:cSld>
+  <p:clrMapOvr>
+    <a:masterClrMapping/>
+  </p:clrMapOvr>
+</p:notes>
+</file>
+
+<file path=ppt/notesSlides/notesSlide7.xml><?xml version="1.0" encoding="utf-8"?>
+<p:notes xmlns:a="http://schemas.openxmlformats.org/drawingml/2006/main" xmlns:r="http://schemas.openxmlformats.org/officeDocument/2006/relationships" xmlns:p="http://schemas.openxmlformats.org/presentationml/2006/main">
+  <p:cSld>
+    <p:spTree>
+      <p:nvGrpSpPr>
+        <p:cNvPr id="1" name=""/>
+        <p:cNvGrpSpPr/>
+        <p:nvPr/>
+      </p:nvGrpSpPr>
+      <p:grpSpPr>
+        <a:xfrm>
+          <a:off x="0" y="0"/>
+          <a:ext cx="0" cy="0"/>
+          <a:chOff x="0" y="0"/>
+          <a:chExt cx="0" cy="0"/>
+        </a:xfrm>
+      </p:grpSpPr>
+      <p:sp>
+        <p:nvSpPr>
+          <p:cNvPr id="2" name="Slide Image Placeholder 1"/>
+          <p:cNvSpPr>
+            <a:spLocks noGrp="1" noRot="1" noChangeAspect="1"/>
+          </p:cNvSpPr>
+          <p:nvPr>
+            <p:ph type="sldImg"/>
+          </p:nvPr>
+        </p:nvSpPr>
+        <p:spPr/>
+      </p:sp>
+      <p:sp>
+        <p:nvSpPr>
+          <p:cNvPr id="3" name="Notes Placeholder 2"/>
+          <p:cNvSpPr>
+            <a:spLocks noGrp="1"/>
+          </p:cNvSpPr>
+          <p:nvPr>
+            <p:ph type="body" idx="1"/>
+          </p:nvPr>
+        </p:nvSpPr>
+        <p:spPr/>
+        <p:txBody>
+          <a:bodyPr/>
+          <a:lstStyle/>
+          <a:p>
+            <a:r>
+              <a:rPr lang="en-GB" dirty="0"/>
+              <a:t>Improve device – higher gear ratio, current feedback, encoder feedback difficult </a:t>
+            </a:r>
+            <a:r>
+              <a:rPr lang="en-GB" dirty="0" err="1"/>
+              <a:t>ti</a:t>
+            </a:r>
+            <a:r>
+              <a:rPr lang="en-GB" dirty="0"/>
+              <a:t> implement</a:t>
+            </a:r>
+          </a:p>
+          <a:p>
+            <a:r>
+              <a:rPr lang="en-GB" dirty="0"/>
+              <a:t>Record device – OpenCV with </a:t>
+            </a:r>
+            <a:r>
+              <a:rPr lang="en-GB" dirty="0" err="1"/>
+              <a:t>Aruco</a:t>
+            </a:r>
+            <a:r>
+              <a:rPr lang="en-GB" dirty="0"/>
+              <a:t> tags, start recording soon</a:t>
+            </a:r>
+          </a:p>
+          <a:p>
+            <a:r>
+              <a:rPr lang="en-GB" dirty="0"/>
+              <a:t>Validate models – project objectives complete!</a:t>
+            </a:r>
+          </a:p>
+          <a:p>
+            <a:r>
+              <a:rPr lang="en-GB" dirty="0"/>
+              <a:t>Design new device, informed by model and test concepts with simulation</a:t>
+            </a:r>
+          </a:p>
+          <a:p>
+            <a:r>
+              <a:rPr lang="en-GB" dirty="0"/>
+              <a:t>Build new device – better parts – herringbone gears and </a:t>
+            </a:r>
+            <a:r>
+              <a:rPr lang="en-GB" dirty="0" err="1"/>
+              <a:t>bal</a:t>
+            </a:r>
+            <a:r>
+              <a:rPr lang="en-GB" dirty="0"/>
+              <a:t> bearings</a:t>
+            </a:r>
+          </a:p>
+        </p:txBody>
+      </p:sp>
+      <p:sp>
+        <p:nvSpPr>
+          <p:cNvPr id="4" name="Slide Number Placeholder 3"/>
+          <p:cNvSpPr>
+            <a:spLocks noGrp="1"/>
+          </p:cNvSpPr>
+          <p:nvPr>
+            <p:ph type="sldNum" sz="quarter" idx="5"/>
+          </p:nvPr>
+        </p:nvSpPr>
+        <p:spPr/>
+        <p:txBody>
+          <a:bodyPr/>
+          <a:lstStyle/>
+          <a:p>
+            <a:fld id="{99BF6EFC-B03E-874C-9CD9-41B66C8AE1E7}" type="slidenum">
+              <a:rPr lang="en-US" smtClean="0"/>
+              <a:t>7</a:t>
+            </a:fld>
+            <a:endParaRPr lang="en-US"/>
+          </a:p>
+        </p:txBody>
+      </p:sp>
+    </p:spTree>
+    <p:extLst>
+      <p:ext uri="{BB962C8B-B14F-4D97-AF65-F5344CB8AC3E}">
+        <p14:creationId xmlns:p14="http://schemas.microsoft.com/office/powerpoint/2010/main" val="2933938019"/>
+      </p:ext>
+    </p:extLst>
+  </p:cSld>
+  <p:clrMapOvr>
+    <a:masterClrMapping/>
+  </p:clrMapOvr>
+</p:notes>
+</file>
+
+<file path=ppt/notesSlides/notesSlide8.xml><?xml version="1.0" encoding="utf-8"?>
+<p:notes xmlns:a="http://schemas.openxmlformats.org/drawingml/2006/main" xmlns:r="http://schemas.openxmlformats.org/officeDocument/2006/relationships" xmlns:p="http://schemas.openxmlformats.org/presentationml/2006/main">
+  <p:cSld>
+    <p:spTree>
+      <p:nvGrpSpPr>
+        <p:cNvPr id="1" name=""/>
+        <p:cNvGrpSpPr/>
+        <p:nvPr/>
+      </p:nvGrpSpPr>
+      <p:grpSpPr>
+        <a:xfrm>
+          <a:off x="0" y="0"/>
+          <a:ext cx="0" cy="0"/>
+          <a:chOff x="0" y="0"/>
+          <a:chExt cx="0" cy="0"/>
+        </a:xfrm>
+      </p:grpSpPr>
+      <p:sp>
+        <p:nvSpPr>
+          <p:cNvPr id="2" name="Slide Image Placeholder 1"/>
+          <p:cNvSpPr>
+            <a:spLocks noGrp="1" noRot="1" noChangeAspect="1"/>
+          </p:cNvSpPr>
+          <p:nvPr>
+            <p:ph type="sldImg"/>
+          </p:nvPr>
+        </p:nvSpPr>
+        <p:spPr/>
+      </p:sp>
+      <p:sp>
+        <p:nvSpPr>
+          <p:cNvPr id="3" name="Notes Placeholder 2"/>
+          <p:cNvSpPr>
+            <a:spLocks noGrp="1"/>
+          </p:cNvSpPr>
+          <p:nvPr>
+            <p:ph type="body" idx="1"/>
+          </p:nvPr>
+        </p:nvSpPr>
+        <p:spPr/>
+        <p:txBody>
+          <a:bodyPr/>
+          <a:lstStyle/>
+          <a:p>
+            <a:r>
+              <a:rPr lang="en-GB" dirty="0"/>
+              <a:t>Load intuitive </a:t>
+            </a:r>
+            <a:r>
+              <a:rPr lang="en-GB" dirty="0" err="1"/>
+              <a:t>moduls</a:t>
+            </a:r>
+            <a:r>
+              <a:rPr lang="en-GB" dirty="0"/>
+              <a:t> are an </a:t>
+            </a:r>
+          </a:p>
+        </p:txBody>
+      </p:sp>
+      <p:sp>
+        <p:nvSpPr>
+          <p:cNvPr id="4" name="Slide Number Placeholder 3"/>
+          <p:cNvSpPr>
+            <a:spLocks noGrp="1"/>
+          </p:cNvSpPr>
+          <p:nvPr>
+            <p:ph type="sldNum" sz="quarter" idx="5"/>
+          </p:nvPr>
+        </p:nvSpPr>
+        <p:spPr/>
+        <p:txBody>
+          <a:bodyPr/>
+          <a:lstStyle/>
+          <a:p>
+            <a:fld id="{99BF6EFC-B03E-874C-9CD9-41B66C8AE1E7}" type="slidenum">
+              <a:rPr lang="en-US" smtClean="0"/>
+              <a:t>8</a:t>
+            </a:fld>
+            <a:endParaRPr lang="en-US"/>
+          </a:p>
+        </p:txBody>
+      </p:sp>
+    </p:spTree>
+    <p:extLst>
+      <p:ext uri="{BB962C8B-B14F-4D97-AF65-F5344CB8AC3E}">
+        <p14:creationId xmlns:p14="http://schemas.microsoft.com/office/powerpoint/2010/main" val="4134561434"/>
       </p:ext>
     </p:extLst>
   </p:cSld>
@@ -12456,73 +13231,6 @@
       </p:grpSpPr>
       <p:sp>
         <p:nvSpPr>
-          <p:cNvPr id="4" name="Photo by ...">
-            <a:extLst>
-              <a:ext uri="{FF2B5EF4-FFF2-40B4-BE49-F238E27FC236}">
-                <a16:creationId xmlns:a16="http://schemas.microsoft.com/office/drawing/2014/main" id="{1982AB7D-2BAE-EF40-81E9-5AD098526BD0}"/>
-              </a:ext>
-            </a:extLst>
-          </p:cNvPr>
-          <p:cNvSpPr txBox="1"/>
-          <p:nvPr/>
-        </p:nvSpPr>
-        <p:spPr>
-          <a:xfrm>
-            <a:off x="10214658" y="6364406"/>
-            <a:ext cx="1285239" cy="230832"/>
-          </a:xfrm>
-          <a:prstGeom prst="rect">
-            <a:avLst/>
-          </a:prstGeom>
-          <a:noFill/>
-        </p:spPr>
-        <p:txBody>
-          <a:bodyPr wrap="square" rtlCol="0">
-            <a:spAutoFit/>
-          </a:bodyPr>
-          <a:lstStyle/>
-          <a:p>
-            <a:pPr marL="0" marR="0" lvl="0" indent="0" algn="r" defTabSz="914400" rtl="0" eaLnBrk="1" fontAlgn="auto" latinLnBrk="0" hangingPunct="1">
-              <a:lnSpc>
-                <a:spcPct val="100000"/>
-              </a:lnSpc>
-              <a:spcBef>
-                <a:spcPts val="0"/>
-              </a:spcBef>
-              <a:spcAft>
-                <a:spcPts val="0"/>
-              </a:spcAft>
-              <a:buClrTx/>
-              <a:buSzTx/>
-              <a:buFontTx/>
-              <a:buNone/>
-              <a:tabLst/>
-              <a:defRPr/>
-            </a:pPr>
-            <a:r>
-              <a:rPr kumimoji="0" lang="en-GB" sz="900" b="0" i="0" u="none" strike="noStrike" kern="1200" cap="none" spc="0" normalizeH="0" baseline="0" noProof="0" dirty="0">
-                <a:ln>
-                  <a:noFill/>
-                </a:ln>
-                <a:solidFill>
-                  <a:srgbClr val="FFFFFF">
-                    <a:lumMod val="95000"/>
-                  </a:srgbClr>
-                </a:solidFill>
-                <a:effectLst/>
-                <a:uLnTx/>
-                <a:uFillTx/>
-                <a:latin typeface="Trebuchet MS" panose="020B0703020202090204" pitchFamily="34" charset="0"/>
-                <a:ea typeface="+mn-ea"/>
-                <a:cs typeface="+mn-cs"/>
-              </a:rPr>
-              <a:t>Photo by Stefan Els</a:t>
-            </a:r>
-          </a:p>
-        </p:txBody>
-      </p:sp>
-      <p:sp>
-        <p:nvSpPr>
           <p:cNvPr id="2" name="Title ">
             <a:extLst>
               <a:ext uri="{FF2B5EF4-FFF2-40B4-BE49-F238E27FC236}">
@@ -12582,18 +13290,84 @@
       </p:grpSpPr>
       <p:sp>
         <p:nvSpPr>
-          <p:cNvPr id="2" name="Title 1">
-            <a:extLst>
-              <a:ext uri="{FF2B5EF4-FFF2-40B4-BE49-F238E27FC236}">
-                <a16:creationId xmlns:a16="http://schemas.microsoft.com/office/drawing/2014/main" id="{9DE0BF0E-BB07-C40F-C9E9-B6D7E1B0D9E8}"/>
-              </a:ext>
-            </a:extLst>
-          </p:cNvPr>
-          <p:cNvSpPr>
-            <a:spLocks noGrp="1"/>
-          </p:cNvSpPr>
-          <p:nvPr>
-            <p:ph type="title"/>
+          <p:cNvPr id="2" name="Content Placeholder 1">
+            <a:extLst>
+              <a:ext uri="{FF2B5EF4-FFF2-40B4-BE49-F238E27FC236}">
+                <a16:creationId xmlns:a16="http://schemas.microsoft.com/office/drawing/2014/main" id="{A46BFFE2-39B9-EEAD-5B67-992A95703D99}"/>
+              </a:ext>
+            </a:extLst>
+          </p:cNvPr>
+          <p:cNvSpPr>
+            <a:spLocks noGrp="1"/>
+          </p:cNvSpPr>
+          <p:nvPr>
+            <p:ph idx="1"/>
+          </p:nvPr>
+        </p:nvSpPr>
+        <p:spPr/>
+        <p:txBody>
+          <a:bodyPr>
+            <a:normAutofit/>
+          </a:bodyPr>
+          <a:lstStyle/>
+          <a:p>
+            <a:r>
+              <a:rPr lang="en-GB" dirty="0"/>
+              <a:t>What is USAR?</a:t>
+            </a:r>
+          </a:p>
+          <a:p>
+            <a:r>
+              <a:rPr lang="en-GB" dirty="0"/>
+              <a:t>What is a Load Intuitive Module (LIM)?</a:t>
+            </a:r>
+          </a:p>
+          <a:p>
+            <a:endParaRPr lang="en-GB" dirty="0"/>
+          </a:p>
+          <a:p>
+            <a:r>
+              <a:rPr lang="en-GB" dirty="0"/>
+              <a:t>Objectives:</a:t>
+            </a:r>
+          </a:p>
+          <a:p>
+            <a:pPr lvl="1"/>
+            <a:r>
+              <a:rPr lang="en-GB" dirty="0"/>
+              <a:t>Model the LIM kinematics</a:t>
+            </a:r>
+          </a:p>
+          <a:p>
+            <a:pPr lvl="1"/>
+            <a:r>
+              <a:rPr lang="en-GB" dirty="0"/>
+              <a:t>Design and build a robot using LIMs</a:t>
+            </a:r>
+          </a:p>
+          <a:p>
+            <a:pPr lvl="1"/>
+            <a:r>
+              <a:rPr lang="en-GB" dirty="0"/>
+              <a:t>Validate the model using the robot</a:t>
+            </a:r>
+          </a:p>
+        </p:txBody>
+      </p:sp>
+      <p:sp>
+        <p:nvSpPr>
+          <p:cNvPr id="3" name="Text Placeholder 2">
+            <a:extLst>
+              <a:ext uri="{FF2B5EF4-FFF2-40B4-BE49-F238E27FC236}">
+                <a16:creationId xmlns:a16="http://schemas.microsoft.com/office/drawing/2014/main" id="{F72A4A6B-5F19-F9F7-6B91-0D78E91A2677}"/>
+              </a:ext>
+            </a:extLst>
+          </p:cNvPr>
+          <p:cNvSpPr>
+            <a:spLocks noGrp="1"/>
+          </p:cNvSpPr>
+          <p:nvPr>
+            <p:ph type="body" sz="quarter" idx="10"/>
           </p:nvPr>
         </p:nvSpPr>
         <p:spPr/>
@@ -12601,14 +13375,46 @@
           <a:bodyPr/>
           <a:lstStyle/>
           <a:p>
-            <a:endParaRPr lang="en-GB"/>
+            <a:r>
+              <a:rPr lang="en-GB" dirty="0"/>
+              <a:t>Introduction &amp; Objectives</a:t>
+            </a:r>
+          </a:p>
+        </p:txBody>
+      </p:sp>
+      <p:sp>
+        <p:nvSpPr>
+          <p:cNvPr id="4" name="Title 3">
+            <a:extLst>
+              <a:ext uri="{FF2B5EF4-FFF2-40B4-BE49-F238E27FC236}">
+                <a16:creationId xmlns:a16="http://schemas.microsoft.com/office/drawing/2014/main" id="{840BBE5C-18A3-5BC5-C861-2FFB1F80C2C8}"/>
+              </a:ext>
+            </a:extLst>
+          </p:cNvPr>
+          <p:cNvSpPr>
+            <a:spLocks noGrp="1"/>
+          </p:cNvSpPr>
+          <p:nvPr>
+            <p:ph type="title"/>
+          </p:nvPr>
+        </p:nvSpPr>
+        <p:spPr/>
+        <p:txBody>
+          <a:bodyPr/>
+          <a:lstStyle/>
+          <a:p>
+            <a:r>
+              <a:rPr lang="en-ZA" dirty="0"/>
+              <a:t>Design, model and build a USAR robot platform</a:t>
+            </a:r>
+            <a:endParaRPr lang="en-GB" dirty="0"/>
           </a:p>
         </p:txBody>
       </p:sp>
     </p:spTree>
     <p:extLst>
       <p:ext uri="{BB962C8B-B14F-4D97-AF65-F5344CB8AC3E}">
-        <p14:creationId xmlns:p14="http://schemas.microsoft.com/office/powerpoint/2010/main" val="1733065252"/>
+        <p14:creationId xmlns:p14="http://schemas.microsoft.com/office/powerpoint/2010/main" val="3504044023"/>
       </p:ext>
     </p:extLst>
   </p:cSld>
@@ -12637,10 +13443,10 @@
       </p:grpSpPr>
       <p:sp>
         <p:nvSpPr>
-          <p:cNvPr id="2" name="Content Placeholder 1">
-            <a:extLst>
-              <a:ext uri="{FF2B5EF4-FFF2-40B4-BE49-F238E27FC236}">
-                <a16:creationId xmlns:a16="http://schemas.microsoft.com/office/drawing/2014/main" id="{A46BFFE2-39B9-EEAD-5B67-992A95703D99}"/>
+          <p:cNvPr id="15" name="Content Placeholder 14">
+            <a:extLst>
+              <a:ext uri="{FF2B5EF4-FFF2-40B4-BE49-F238E27FC236}">
+                <a16:creationId xmlns:a16="http://schemas.microsoft.com/office/drawing/2014/main" id="{DD330B8A-69D6-B7C5-F66C-34ED97854165}"/>
               </a:ext>
             </a:extLst>
           </p:cNvPr>
@@ -12658,7 +13464,33 @@
           </a:bodyPr>
           <a:lstStyle/>
           <a:p>
-            <a:endParaRPr lang="en-GB"/>
+            <a:pPr marL="0" indent="0">
+              <a:buNone/>
+            </a:pPr>
+            <a:r>
+              <a:rPr lang="en-GB" dirty="0"/>
+              <a:t>Wilson			</a:t>
+            </a:r>
+            <a:r>
+              <a:rPr lang="en-GB" dirty="0" err="1"/>
+              <a:t>Haskel</a:t>
+            </a:r>
+            <a:r>
+              <a:rPr lang="en-GB" dirty="0"/>
+              <a:t>			Buchannan			Powrie</a:t>
+            </a:r>
+          </a:p>
+          <a:p>
+            <a:pPr marL="0" indent="0">
+              <a:buNone/>
+            </a:pPr>
+            <a:endParaRPr lang="en-GB" dirty="0"/>
+          </a:p>
+          <a:p>
+            <a:pPr marL="0" indent="0">
+              <a:buNone/>
+            </a:pPr>
+            <a:endParaRPr lang="en-GB" dirty="0"/>
           </a:p>
         </p:txBody>
       </p:sp>
@@ -12667,7 +13499,7 @@
           <p:cNvPr id="3" name="Text Placeholder 2">
             <a:extLst>
               <a:ext uri="{FF2B5EF4-FFF2-40B4-BE49-F238E27FC236}">
-                <a16:creationId xmlns:a16="http://schemas.microsoft.com/office/drawing/2014/main" id="{F72A4A6B-5F19-F9F7-6B91-0D78E91A2677}"/>
+                <a16:creationId xmlns:a16="http://schemas.microsoft.com/office/drawing/2014/main" id="{E616B9CD-A9D5-E960-CAE2-04B676FCD343}"/>
               </a:ext>
             </a:extLst>
           </p:cNvPr>
@@ -12683,7 +13515,10 @@
           <a:bodyPr/>
           <a:lstStyle/>
           <a:p>
-            <a:endParaRPr lang="en-GB"/>
+            <a:r>
+              <a:rPr lang="en-GB" dirty="0"/>
+              <a:t>Past Projects</a:t>
+            </a:r>
           </a:p>
         </p:txBody>
       </p:sp>
@@ -12692,7 +13527,7 @@
           <p:cNvPr id="4" name="Title 3">
             <a:extLst>
               <a:ext uri="{FF2B5EF4-FFF2-40B4-BE49-F238E27FC236}">
-                <a16:creationId xmlns:a16="http://schemas.microsoft.com/office/drawing/2014/main" id="{840BBE5C-18A3-5BC5-C861-2FFB1F80C2C8}"/>
+                <a16:creationId xmlns:a16="http://schemas.microsoft.com/office/drawing/2014/main" id="{7A1CFAFA-6F64-4009-7408-850FCC72B8DE}"/>
               </a:ext>
             </a:extLst>
           </p:cNvPr>
@@ -12708,14 +13543,860 @@
           <a:bodyPr/>
           <a:lstStyle/>
           <a:p>
-            <a:endParaRPr lang="en-GB"/>
+            <a:r>
+              <a:rPr lang="en-ZA" dirty="0"/>
+              <a:t>Design, model and build a USAR robot platform</a:t>
+            </a:r>
+            <a:endParaRPr lang="en-GB" dirty="0"/>
           </a:p>
         </p:txBody>
       </p:sp>
     </p:spTree>
     <p:extLst>
       <p:ext uri="{BB962C8B-B14F-4D97-AF65-F5344CB8AC3E}">
-        <p14:creationId xmlns:p14="http://schemas.microsoft.com/office/powerpoint/2010/main" val="3504044023"/>
+        <p14:creationId xmlns:p14="http://schemas.microsoft.com/office/powerpoint/2010/main" val="754272221"/>
+      </p:ext>
+    </p:extLst>
+  </p:cSld>
+  <p:clrMapOvr>
+    <a:masterClrMapping/>
+  </p:clrMapOvr>
+</p:sld>
+</file>
+
+<file path=ppt/slides/slide4.xml><?xml version="1.0" encoding="utf-8"?>
+<p:sld xmlns:a="http://schemas.openxmlformats.org/drawingml/2006/main" xmlns:r="http://schemas.openxmlformats.org/officeDocument/2006/relationships" xmlns:p="http://schemas.openxmlformats.org/presentationml/2006/main">
+  <p:cSld>
+    <p:spTree>
+      <p:nvGrpSpPr>
+        <p:cNvPr id="1" name=""/>
+        <p:cNvGrpSpPr/>
+        <p:nvPr/>
+      </p:nvGrpSpPr>
+      <p:grpSpPr>
+        <a:xfrm>
+          <a:off x="0" y="0"/>
+          <a:ext cx="0" cy="0"/>
+          <a:chOff x="0" y="0"/>
+          <a:chExt cx="0" cy="0"/>
+        </a:xfrm>
+      </p:grpSpPr>
+      <p:sp>
+        <p:nvSpPr>
+          <p:cNvPr id="2" name="Content Placeholder 1">
+            <a:extLst>
+              <a:ext uri="{FF2B5EF4-FFF2-40B4-BE49-F238E27FC236}">
+                <a16:creationId xmlns:a16="http://schemas.microsoft.com/office/drawing/2014/main" id="{68BDBFA2-65EA-8EE3-855F-887821904AFF}"/>
+              </a:ext>
+            </a:extLst>
+          </p:cNvPr>
+          <p:cNvSpPr>
+            <a:spLocks noGrp="1"/>
+          </p:cNvSpPr>
+          <p:nvPr>
+            <p:ph idx="1"/>
+          </p:nvPr>
+        </p:nvSpPr>
+        <p:spPr/>
+        <p:txBody>
+          <a:bodyPr>
+            <a:normAutofit/>
+          </a:bodyPr>
+          <a:lstStyle/>
+          <a:p>
+            <a:r>
+              <a:rPr lang="en-GB" dirty="0"/>
+              <a:t>Mathematical model in MATLAB</a:t>
+            </a:r>
+          </a:p>
+          <a:p>
+            <a:pPr lvl="1"/>
+            <a:r>
+              <a:rPr lang="en-GB" dirty="0"/>
+              <a:t>Kinematics, forces, moments solved simultaneously</a:t>
+            </a:r>
+          </a:p>
+          <a:p>
+            <a:pPr lvl="1"/>
+            <a:r>
+              <a:rPr lang="en-GB" dirty="0"/>
+              <a:t>Output angular accelerations as a function of torque input</a:t>
+            </a:r>
+          </a:p>
+          <a:p>
+            <a:pPr lvl="1"/>
+            <a:r>
+              <a:rPr lang="en-GB" dirty="0"/>
+              <a:t>Limited to two dimensions</a:t>
+            </a:r>
+          </a:p>
+          <a:p>
+            <a:r>
+              <a:rPr lang="en-GB" dirty="0"/>
+              <a:t>Simulation in Drake</a:t>
+            </a:r>
+          </a:p>
+          <a:p>
+            <a:pPr lvl="1"/>
+            <a:r>
+              <a:rPr lang="en-GB" dirty="0"/>
+              <a:t>Software used and maintained by MIT</a:t>
+            </a:r>
+          </a:p>
+          <a:p>
+            <a:pPr lvl="1"/>
+            <a:r>
+              <a:rPr lang="en-GB" dirty="0"/>
+              <a:t>Import CAD model from </a:t>
+            </a:r>
+            <a:r>
+              <a:rPr lang="en-GB" dirty="0" err="1"/>
+              <a:t>Onshape</a:t>
+            </a:r>
+            <a:endParaRPr lang="en-GB" dirty="0"/>
+          </a:p>
+          <a:p>
+            <a:pPr lvl="1"/>
+            <a:r>
+              <a:rPr lang="en-GB" dirty="0"/>
+              <a:t>Allows for customisation of inertia, friction etc.</a:t>
+            </a:r>
+          </a:p>
+        </p:txBody>
+      </p:sp>
+      <p:sp>
+        <p:nvSpPr>
+          <p:cNvPr id="3" name="Text Placeholder 2">
+            <a:extLst>
+              <a:ext uri="{FF2B5EF4-FFF2-40B4-BE49-F238E27FC236}">
+                <a16:creationId xmlns:a16="http://schemas.microsoft.com/office/drawing/2014/main" id="{3CFAC63C-6A27-B91C-E078-4A33EBB1D52C}"/>
+              </a:ext>
+            </a:extLst>
+          </p:cNvPr>
+          <p:cNvSpPr>
+            <a:spLocks noGrp="1"/>
+          </p:cNvSpPr>
+          <p:nvPr>
+            <p:ph type="body" sz="quarter" idx="10"/>
+          </p:nvPr>
+        </p:nvSpPr>
+        <p:spPr/>
+        <p:txBody>
+          <a:bodyPr/>
+          <a:lstStyle/>
+          <a:p>
+            <a:r>
+              <a:rPr lang="en-GB" dirty="0"/>
+              <a:t>Mathematical Model and Simulation</a:t>
+            </a:r>
+          </a:p>
+        </p:txBody>
+      </p:sp>
+      <p:sp>
+        <p:nvSpPr>
+          <p:cNvPr id="4" name="Title 3">
+            <a:extLst>
+              <a:ext uri="{FF2B5EF4-FFF2-40B4-BE49-F238E27FC236}">
+                <a16:creationId xmlns:a16="http://schemas.microsoft.com/office/drawing/2014/main" id="{F1B96428-E0F8-A5D1-A330-AFDC4AAEE89B}"/>
+              </a:ext>
+            </a:extLst>
+          </p:cNvPr>
+          <p:cNvSpPr>
+            <a:spLocks noGrp="1"/>
+          </p:cNvSpPr>
+          <p:nvPr>
+            <p:ph type="title"/>
+          </p:nvPr>
+        </p:nvSpPr>
+        <p:spPr/>
+        <p:txBody>
+          <a:bodyPr/>
+          <a:lstStyle/>
+          <a:p>
+            <a:r>
+              <a:rPr lang="en-ZA" dirty="0"/>
+              <a:t>Design, model and build a USAR robot platform</a:t>
+            </a:r>
+            <a:endParaRPr lang="en-GB" dirty="0"/>
+          </a:p>
+        </p:txBody>
+      </p:sp>
+    </p:spTree>
+    <p:extLst>
+      <p:ext uri="{BB962C8B-B14F-4D97-AF65-F5344CB8AC3E}">
+        <p14:creationId xmlns:p14="http://schemas.microsoft.com/office/powerpoint/2010/main" val="3690648925"/>
+      </p:ext>
+    </p:extLst>
+  </p:cSld>
+  <p:clrMapOvr>
+    <a:masterClrMapping/>
+  </p:clrMapOvr>
+</p:sld>
+</file>
+
+<file path=ppt/slides/slide5.xml><?xml version="1.0" encoding="utf-8"?>
+<p:sld xmlns:a="http://schemas.openxmlformats.org/drawingml/2006/main" xmlns:r="http://schemas.openxmlformats.org/officeDocument/2006/relationships" xmlns:p="http://schemas.openxmlformats.org/presentationml/2006/main">
+  <p:cSld>
+    <p:spTree>
+      <p:nvGrpSpPr>
+        <p:cNvPr id="1" name=""/>
+        <p:cNvGrpSpPr/>
+        <p:nvPr/>
+      </p:nvGrpSpPr>
+      <p:grpSpPr>
+        <a:xfrm>
+          <a:off x="0" y="0"/>
+          <a:ext cx="0" cy="0"/>
+          <a:chOff x="0" y="0"/>
+          <a:chExt cx="0" cy="0"/>
+        </a:xfrm>
+      </p:grpSpPr>
+      <p:sp>
+        <p:nvSpPr>
+          <p:cNvPr id="2" name="Content Placeholder 1">
+            <a:extLst>
+              <a:ext uri="{FF2B5EF4-FFF2-40B4-BE49-F238E27FC236}">
+                <a16:creationId xmlns:a16="http://schemas.microsoft.com/office/drawing/2014/main" id="{7AAF3C19-27FE-AA73-407A-317F09D845B9}"/>
+              </a:ext>
+            </a:extLst>
+          </p:cNvPr>
+          <p:cNvSpPr>
+            <a:spLocks noGrp="1"/>
+          </p:cNvSpPr>
+          <p:nvPr>
+            <p:ph idx="1"/>
+          </p:nvPr>
+        </p:nvSpPr>
+        <p:spPr/>
+        <p:txBody>
+          <a:bodyPr>
+            <a:normAutofit/>
+          </a:bodyPr>
+          <a:lstStyle/>
+          <a:p>
+            <a:r>
+              <a:rPr lang="en-GB" dirty="0"/>
+              <a:t>Physical device has been built and tested</a:t>
+            </a:r>
+          </a:p>
+          <a:p>
+            <a:pPr lvl="1"/>
+            <a:r>
+              <a:rPr lang="en-GB" dirty="0"/>
+              <a:t>Manually filed d-shafts to avoid MMW queue</a:t>
+            </a:r>
+          </a:p>
+          <a:p>
+            <a:pPr lvl="1"/>
+            <a:r>
+              <a:rPr lang="en-GB" dirty="0"/>
+              <a:t>Uses JGY-370 gearbox motors for high torque and self-locking </a:t>
+            </a:r>
+            <a:r>
+              <a:rPr lang="en-GB" dirty="0" err="1"/>
+              <a:t>ouput</a:t>
+            </a:r>
+            <a:endParaRPr lang="en-GB" dirty="0"/>
+          </a:p>
+          <a:p>
+            <a:r>
+              <a:rPr lang="en-GB" dirty="0"/>
+              <a:t>Uses sliders to control each motor individually </a:t>
+            </a:r>
+          </a:p>
+          <a:p>
+            <a:r>
+              <a:rPr lang="en-GB" dirty="0"/>
+              <a:t>Can climb stairs</a:t>
+            </a:r>
+          </a:p>
+          <a:p>
+            <a:pPr lvl="1"/>
+            <a:r>
+              <a:rPr lang="en-GB" dirty="0"/>
+              <a:t>LIMs must move simultaneously, if one falls behind the other then it struggles to catch up.</a:t>
+            </a:r>
+          </a:p>
+          <a:p>
+            <a:pPr lvl="1"/>
+            <a:endParaRPr lang="en-GB" dirty="0"/>
+          </a:p>
+          <a:p>
+            <a:endParaRPr lang="en-GB" dirty="0"/>
+          </a:p>
+        </p:txBody>
+      </p:sp>
+      <p:sp>
+        <p:nvSpPr>
+          <p:cNvPr id="3" name="Text Placeholder 2">
+            <a:extLst>
+              <a:ext uri="{FF2B5EF4-FFF2-40B4-BE49-F238E27FC236}">
+                <a16:creationId xmlns:a16="http://schemas.microsoft.com/office/drawing/2014/main" id="{DB7E096B-6C99-DB7C-62A8-8C876C95658C}"/>
+              </a:ext>
+            </a:extLst>
+          </p:cNvPr>
+          <p:cNvSpPr>
+            <a:spLocks noGrp="1"/>
+          </p:cNvSpPr>
+          <p:nvPr>
+            <p:ph type="body" sz="quarter" idx="10"/>
+          </p:nvPr>
+        </p:nvSpPr>
+        <p:spPr/>
+        <p:txBody>
+          <a:bodyPr/>
+          <a:lstStyle/>
+          <a:p>
+            <a:r>
+              <a:rPr lang="en-GB" dirty="0"/>
+              <a:t>Physical device</a:t>
+            </a:r>
+          </a:p>
+        </p:txBody>
+      </p:sp>
+      <p:sp>
+        <p:nvSpPr>
+          <p:cNvPr id="4" name="Title 3">
+            <a:extLst>
+              <a:ext uri="{FF2B5EF4-FFF2-40B4-BE49-F238E27FC236}">
+                <a16:creationId xmlns:a16="http://schemas.microsoft.com/office/drawing/2014/main" id="{AA534B29-AB61-4A90-1310-E22D60FA18A4}"/>
+              </a:ext>
+            </a:extLst>
+          </p:cNvPr>
+          <p:cNvSpPr>
+            <a:spLocks noGrp="1"/>
+          </p:cNvSpPr>
+          <p:nvPr>
+            <p:ph type="title"/>
+          </p:nvPr>
+        </p:nvSpPr>
+        <p:spPr/>
+        <p:txBody>
+          <a:bodyPr/>
+          <a:lstStyle/>
+          <a:p>
+            <a:r>
+              <a:rPr lang="en-ZA" dirty="0"/>
+              <a:t>Design, model and build a USAR robot platform</a:t>
+            </a:r>
+            <a:endParaRPr lang="en-GB" dirty="0"/>
+          </a:p>
+        </p:txBody>
+      </p:sp>
+    </p:spTree>
+    <p:extLst>
+      <p:ext uri="{BB962C8B-B14F-4D97-AF65-F5344CB8AC3E}">
+        <p14:creationId xmlns:p14="http://schemas.microsoft.com/office/powerpoint/2010/main" val="4133703715"/>
+      </p:ext>
+    </p:extLst>
+  </p:cSld>
+  <p:clrMapOvr>
+    <a:masterClrMapping/>
+  </p:clrMapOvr>
+</p:sld>
+</file>
+
+<file path=ppt/slides/slide6.xml><?xml version="1.0" encoding="utf-8"?>
+<p:sld xmlns:a="http://schemas.openxmlformats.org/drawingml/2006/main" xmlns:r="http://schemas.openxmlformats.org/officeDocument/2006/relationships" xmlns:p="http://schemas.openxmlformats.org/presentationml/2006/main">
+  <p:cSld>
+    <p:spTree>
+      <p:nvGrpSpPr>
+        <p:cNvPr id="1" name=""/>
+        <p:cNvGrpSpPr/>
+        <p:nvPr/>
+      </p:nvGrpSpPr>
+      <p:grpSpPr>
+        <a:xfrm>
+          <a:off x="0" y="0"/>
+          <a:ext cx="0" cy="0"/>
+          <a:chOff x="0" y="0"/>
+          <a:chExt cx="0" cy="0"/>
+        </a:xfrm>
+      </p:grpSpPr>
+      <p:sp>
+        <p:nvSpPr>
+          <p:cNvPr id="2" name="Content Placeholder 1">
+            <a:extLst>
+              <a:ext uri="{FF2B5EF4-FFF2-40B4-BE49-F238E27FC236}">
+                <a16:creationId xmlns:a16="http://schemas.microsoft.com/office/drawing/2014/main" id="{BB0E41A0-B89F-2DF4-D44E-D327C86827B8}"/>
+              </a:ext>
+            </a:extLst>
+          </p:cNvPr>
+          <p:cNvSpPr>
+            <a:spLocks noGrp="1"/>
+          </p:cNvSpPr>
+          <p:nvPr>
+            <p:ph idx="1"/>
+          </p:nvPr>
+        </p:nvSpPr>
+        <p:spPr/>
+        <p:txBody>
+          <a:bodyPr>
+            <a:normAutofit/>
+          </a:bodyPr>
+          <a:lstStyle/>
+          <a:p>
+            <a:r>
+              <a:rPr lang="en-GB" dirty="0"/>
+              <a:t>Motors use a 12V power supply, which is considered safe to touch.</a:t>
+            </a:r>
+          </a:p>
+          <a:p>
+            <a:r>
+              <a:rPr lang="en-GB" dirty="0"/>
+              <a:t>Gears are enclosed within the frame of the LIMs.</a:t>
+            </a:r>
+          </a:p>
+          <a:p>
+            <a:r>
+              <a:rPr lang="en-GB" dirty="0"/>
+              <a:t>Power to motors can be easily shutoff.</a:t>
+            </a:r>
+          </a:p>
+          <a:p>
+            <a:r>
+              <a:rPr lang="en-GB" dirty="0"/>
+              <a:t>Power should be shutoff when handling the device</a:t>
+            </a:r>
+          </a:p>
+          <a:p>
+            <a:endParaRPr lang="en-GB" dirty="0"/>
+          </a:p>
+          <a:p>
+            <a:r>
+              <a:rPr lang="en-GB" dirty="0"/>
+              <a:t>Motor burnout:</a:t>
+            </a:r>
+          </a:p>
+          <a:p>
+            <a:pPr lvl="1"/>
+            <a:r>
+              <a:rPr lang="en-GB" dirty="0"/>
+              <a:t>Motors cannot maintain stalling current for more than a few seconds</a:t>
+            </a:r>
+          </a:p>
+          <a:p>
+            <a:pPr lvl="1"/>
+            <a:r>
+              <a:rPr lang="en-GB" dirty="0"/>
+              <a:t>Stalling is common during imbalanced climbing</a:t>
+            </a:r>
+          </a:p>
+        </p:txBody>
+      </p:sp>
+      <p:sp>
+        <p:nvSpPr>
+          <p:cNvPr id="3" name="Text Placeholder 2">
+            <a:extLst>
+              <a:ext uri="{FF2B5EF4-FFF2-40B4-BE49-F238E27FC236}">
+                <a16:creationId xmlns:a16="http://schemas.microsoft.com/office/drawing/2014/main" id="{2ABC1707-516D-4E8C-949A-9F27CD6CCB37}"/>
+              </a:ext>
+            </a:extLst>
+          </p:cNvPr>
+          <p:cNvSpPr>
+            <a:spLocks noGrp="1"/>
+          </p:cNvSpPr>
+          <p:nvPr>
+            <p:ph type="body" sz="quarter" idx="10"/>
+          </p:nvPr>
+        </p:nvSpPr>
+        <p:spPr/>
+        <p:txBody>
+          <a:bodyPr/>
+          <a:lstStyle/>
+          <a:p>
+            <a:r>
+              <a:rPr lang="en-GB" dirty="0"/>
+              <a:t>Safety</a:t>
+            </a:r>
+          </a:p>
+        </p:txBody>
+      </p:sp>
+      <p:sp>
+        <p:nvSpPr>
+          <p:cNvPr id="4" name="Title 3">
+            <a:extLst>
+              <a:ext uri="{FF2B5EF4-FFF2-40B4-BE49-F238E27FC236}">
+                <a16:creationId xmlns:a16="http://schemas.microsoft.com/office/drawing/2014/main" id="{64FD3EF1-358A-5ACD-61DA-2A13CE942883}"/>
+              </a:ext>
+            </a:extLst>
+          </p:cNvPr>
+          <p:cNvSpPr>
+            <a:spLocks noGrp="1"/>
+          </p:cNvSpPr>
+          <p:nvPr>
+            <p:ph type="title"/>
+          </p:nvPr>
+        </p:nvSpPr>
+        <p:spPr/>
+        <p:txBody>
+          <a:bodyPr/>
+          <a:lstStyle/>
+          <a:p>
+            <a:r>
+              <a:rPr lang="en-ZA" dirty="0"/>
+              <a:t>Design, model and build a USAR robot platform</a:t>
+            </a:r>
+            <a:endParaRPr lang="en-GB" dirty="0"/>
+          </a:p>
+        </p:txBody>
+      </p:sp>
+    </p:spTree>
+    <p:extLst>
+      <p:ext uri="{BB962C8B-B14F-4D97-AF65-F5344CB8AC3E}">
+        <p14:creationId xmlns:p14="http://schemas.microsoft.com/office/powerpoint/2010/main" val="3547053258"/>
+      </p:ext>
+    </p:extLst>
+  </p:cSld>
+  <p:clrMapOvr>
+    <a:masterClrMapping/>
+  </p:clrMapOvr>
+</p:sld>
+</file>
+
+<file path=ppt/slides/slide7.xml><?xml version="1.0" encoding="utf-8"?>
+<p:sld xmlns:a="http://schemas.openxmlformats.org/drawingml/2006/main" xmlns:r="http://schemas.openxmlformats.org/officeDocument/2006/relationships" xmlns:p="http://schemas.openxmlformats.org/presentationml/2006/main">
+  <p:cSld>
+    <p:spTree>
+      <p:nvGrpSpPr>
+        <p:cNvPr id="1" name=""/>
+        <p:cNvGrpSpPr/>
+        <p:nvPr/>
+      </p:nvGrpSpPr>
+      <p:grpSpPr>
+        <a:xfrm>
+          <a:off x="0" y="0"/>
+          <a:ext cx="0" cy="0"/>
+          <a:chOff x="0" y="0"/>
+          <a:chExt cx="0" cy="0"/>
+        </a:xfrm>
+      </p:grpSpPr>
+      <p:sp>
+        <p:nvSpPr>
+          <p:cNvPr id="2" name="Content Placeholder 1">
+            <a:extLst>
+              <a:ext uri="{FF2B5EF4-FFF2-40B4-BE49-F238E27FC236}">
+                <a16:creationId xmlns:a16="http://schemas.microsoft.com/office/drawing/2014/main" id="{3F72C7CE-B26C-1D28-2822-293CADBB9AA2}"/>
+              </a:ext>
+            </a:extLst>
+          </p:cNvPr>
+          <p:cNvSpPr>
+            <a:spLocks noGrp="1"/>
+          </p:cNvSpPr>
+          <p:nvPr>
+            <p:ph idx="1"/>
+          </p:nvPr>
+        </p:nvSpPr>
+        <p:spPr/>
+        <p:txBody>
+          <a:bodyPr>
+            <a:normAutofit lnSpcReduction="10000"/>
+          </a:bodyPr>
+          <a:lstStyle/>
+          <a:p>
+            <a:r>
+              <a:rPr lang="en-GB" dirty="0"/>
+              <a:t>Improving device</a:t>
+            </a:r>
+          </a:p>
+          <a:p>
+            <a:pPr lvl="1"/>
+            <a:r>
+              <a:rPr lang="en-GB" dirty="0"/>
+              <a:t>Increase torque</a:t>
+            </a:r>
+          </a:p>
+          <a:p>
+            <a:r>
+              <a:rPr lang="en-GB" dirty="0"/>
+              <a:t>Recording device</a:t>
+            </a:r>
+          </a:p>
+          <a:p>
+            <a:pPr lvl="1"/>
+            <a:r>
+              <a:rPr lang="en-GB" dirty="0"/>
+              <a:t>OpenCV with </a:t>
+            </a:r>
+            <a:r>
+              <a:rPr lang="en-GB" dirty="0" err="1"/>
+              <a:t>aruco</a:t>
+            </a:r>
+            <a:r>
+              <a:rPr lang="en-GB" dirty="0"/>
+              <a:t> markers</a:t>
+            </a:r>
+          </a:p>
+          <a:p>
+            <a:r>
+              <a:rPr lang="en-GB" dirty="0"/>
+              <a:t>Validate model</a:t>
+            </a:r>
+          </a:p>
+          <a:p>
+            <a:pPr lvl="1"/>
+            <a:r>
+              <a:rPr lang="en-GB" dirty="0"/>
+              <a:t>Likely need to update model</a:t>
+            </a:r>
+          </a:p>
+          <a:p>
+            <a:r>
+              <a:rPr lang="en-GB" dirty="0"/>
+              <a:t>Design new device</a:t>
+            </a:r>
+          </a:p>
+          <a:p>
+            <a:pPr lvl="1"/>
+            <a:r>
+              <a:rPr lang="en-GB" dirty="0"/>
+              <a:t>Inform design with mathematical model</a:t>
+            </a:r>
+          </a:p>
+          <a:p>
+            <a:pPr lvl="1"/>
+            <a:r>
+              <a:rPr lang="en-GB" dirty="0"/>
+              <a:t>Test concepts in simulation</a:t>
+            </a:r>
+          </a:p>
+          <a:p>
+            <a:r>
+              <a:rPr lang="en-GB" dirty="0"/>
+              <a:t>Build new device</a:t>
+            </a:r>
+          </a:p>
+        </p:txBody>
+      </p:sp>
+      <p:sp>
+        <p:nvSpPr>
+          <p:cNvPr id="3" name="Text Placeholder 2">
+            <a:extLst>
+              <a:ext uri="{FF2B5EF4-FFF2-40B4-BE49-F238E27FC236}">
+                <a16:creationId xmlns:a16="http://schemas.microsoft.com/office/drawing/2014/main" id="{0F499EF5-5C5B-71DA-3220-A49AD41E3F24}"/>
+              </a:ext>
+            </a:extLst>
+          </p:cNvPr>
+          <p:cNvSpPr>
+            <a:spLocks noGrp="1"/>
+          </p:cNvSpPr>
+          <p:nvPr>
+            <p:ph type="body" sz="quarter" idx="10"/>
+          </p:nvPr>
+        </p:nvSpPr>
+        <p:spPr/>
+        <p:txBody>
+          <a:bodyPr/>
+          <a:lstStyle/>
+          <a:p>
+            <a:r>
+              <a:rPr lang="en-GB" dirty="0"/>
+              <a:t>Future work</a:t>
+            </a:r>
+          </a:p>
+        </p:txBody>
+      </p:sp>
+      <p:sp>
+        <p:nvSpPr>
+          <p:cNvPr id="4" name="Title 3">
+            <a:extLst>
+              <a:ext uri="{FF2B5EF4-FFF2-40B4-BE49-F238E27FC236}">
+                <a16:creationId xmlns:a16="http://schemas.microsoft.com/office/drawing/2014/main" id="{570C07C8-B0F3-FD07-9EE4-F602ACDB1A57}"/>
+              </a:ext>
+            </a:extLst>
+          </p:cNvPr>
+          <p:cNvSpPr>
+            <a:spLocks noGrp="1"/>
+          </p:cNvSpPr>
+          <p:nvPr>
+            <p:ph type="title"/>
+          </p:nvPr>
+        </p:nvSpPr>
+        <p:spPr/>
+        <p:txBody>
+          <a:bodyPr/>
+          <a:lstStyle/>
+          <a:p>
+            <a:r>
+              <a:rPr lang="en-ZA" dirty="0"/>
+              <a:t>Design, model and build a USAR robot platform</a:t>
+            </a:r>
+            <a:endParaRPr lang="en-GB" dirty="0"/>
+          </a:p>
+        </p:txBody>
+      </p:sp>
+    </p:spTree>
+    <p:extLst>
+      <p:ext uri="{BB962C8B-B14F-4D97-AF65-F5344CB8AC3E}">
+        <p14:creationId xmlns:p14="http://schemas.microsoft.com/office/powerpoint/2010/main" val="1851922526"/>
+      </p:ext>
+    </p:extLst>
+  </p:cSld>
+  <p:clrMapOvr>
+    <a:masterClrMapping/>
+  </p:clrMapOvr>
+</p:sld>
+</file>
+
+<file path=ppt/slides/slide8.xml><?xml version="1.0" encoding="utf-8"?>
+<p:sld xmlns:a="http://schemas.openxmlformats.org/drawingml/2006/main" xmlns:r="http://schemas.openxmlformats.org/officeDocument/2006/relationships" xmlns:p="http://schemas.openxmlformats.org/presentationml/2006/main">
+  <p:cSld>
+    <p:spTree>
+      <p:nvGrpSpPr>
+        <p:cNvPr id="1" name=""/>
+        <p:cNvGrpSpPr/>
+        <p:nvPr/>
+      </p:nvGrpSpPr>
+      <p:grpSpPr>
+        <a:xfrm>
+          <a:off x="0" y="0"/>
+          <a:ext cx="0" cy="0"/>
+          <a:chOff x="0" y="0"/>
+          <a:chExt cx="0" cy="0"/>
+        </a:xfrm>
+      </p:grpSpPr>
+      <p:sp>
+        <p:nvSpPr>
+          <p:cNvPr id="5" name="Content Placeholder 4">
+            <a:extLst>
+              <a:ext uri="{FF2B5EF4-FFF2-40B4-BE49-F238E27FC236}">
+                <a16:creationId xmlns:a16="http://schemas.microsoft.com/office/drawing/2014/main" id="{A88BD0FD-6752-A3B0-9883-8B7666544CB4}"/>
+              </a:ext>
+            </a:extLst>
+          </p:cNvPr>
+          <p:cNvSpPr>
+            <a:spLocks noGrp="1"/>
+          </p:cNvSpPr>
+          <p:nvPr>
+            <p:ph idx="1"/>
+          </p:nvPr>
+        </p:nvSpPr>
+        <p:spPr/>
+        <p:txBody>
+          <a:bodyPr>
+            <a:normAutofit/>
+          </a:bodyPr>
+          <a:lstStyle/>
+          <a:p>
+            <a:pPr marL="342900" indent="-342900">
+              <a:buFont typeface="Arial" panose="020B0604020202020204" pitchFamily="34" charset="0"/>
+              <a:buChar char="•"/>
+            </a:pPr>
+            <a:r>
+              <a:rPr lang="en-GB" dirty="0"/>
+              <a:t>Learnt from previous work</a:t>
+            </a:r>
+          </a:p>
+          <a:p>
+            <a:pPr marL="342900" indent="-342900">
+              <a:buFont typeface="Arial" panose="020B0604020202020204" pitchFamily="34" charset="0"/>
+              <a:buChar char="•"/>
+            </a:pPr>
+            <a:r>
+              <a:rPr lang="en-GB" dirty="0"/>
+              <a:t>Modelled device mathematically and in simulation</a:t>
+            </a:r>
+          </a:p>
+          <a:p>
+            <a:pPr marL="342900" indent="-342900">
+              <a:buFont typeface="Arial" panose="020B0604020202020204" pitchFamily="34" charset="0"/>
+              <a:buChar char="•"/>
+            </a:pPr>
+            <a:r>
+              <a:rPr lang="en-GB" dirty="0"/>
+              <a:t>Built working device</a:t>
+            </a:r>
+          </a:p>
+          <a:p>
+            <a:pPr marL="342900" indent="-342900">
+              <a:buFont typeface="Arial" panose="020B0604020202020204" pitchFamily="34" charset="0"/>
+              <a:buChar char="•"/>
+            </a:pPr>
+            <a:r>
+              <a:rPr lang="en-GB" dirty="0"/>
+              <a:t>Next: Track motion of device</a:t>
+            </a:r>
+          </a:p>
+          <a:p>
+            <a:pPr marL="342900" indent="-342900">
+              <a:buFont typeface="Arial" panose="020B0604020202020204" pitchFamily="34" charset="0"/>
+              <a:buChar char="•"/>
+            </a:pPr>
+            <a:endParaRPr lang="en-GB" dirty="0"/>
+          </a:p>
+          <a:p>
+            <a:pPr marL="342900" indent="-342900">
+              <a:buFont typeface="Arial" panose="020B0604020202020204" pitchFamily="34" charset="0"/>
+              <a:buChar char="•"/>
+            </a:pPr>
+            <a:r>
+              <a:rPr lang="en-GB" dirty="0"/>
+              <a:t> </a:t>
+            </a:r>
+          </a:p>
+        </p:txBody>
+      </p:sp>
+      <p:sp>
+        <p:nvSpPr>
+          <p:cNvPr id="3" name="Text Placeholder 2">
+            <a:extLst>
+              <a:ext uri="{FF2B5EF4-FFF2-40B4-BE49-F238E27FC236}">
+                <a16:creationId xmlns:a16="http://schemas.microsoft.com/office/drawing/2014/main" id="{AE119C8B-FC14-DC2D-F64B-F101AD87AC7F}"/>
+              </a:ext>
+            </a:extLst>
+          </p:cNvPr>
+          <p:cNvSpPr>
+            <a:spLocks noGrp="1"/>
+          </p:cNvSpPr>
+          <p:nvPr>
+            <p:ph type="body" sz="quarter" idx="10"/>
+          </p:nvPr>
+        </p:nvSpPr>
+        <p:spPr/>
+        <p:txBody>
+          <a:bodyPr/>
+          <a:lstStyle/>
+          <a:p>
+            <a:r>
+              <a:rPr lang="en-GB" dirty="0"/>
+              <a:t>Conclusion</a:t>
+            </a:r>
+          </a:p>
+        </p:txBody>
+      </p:sp>
+      <p:sp>
+        <p:nvSpPr>
+          <p:cNvPr id="4" name="Title 3">
+            <a:extLst>
+              <a:ext uri="{FF2B5EF4-FFF2-40B4-BE49-F238E27FC236}">
+                <a16:creationId xmlns:a16="http://schemas.microsoft.com/office/drawing/2014/main" id="{FD879157-1C7A-589E-1B3B-ADB1387ED31C}"/>
+              </a:ext>
+            </a:extLst>
+          </p:cNvPr>
+          <p:cNvSpPr>
+            <a:spLocks noGrp="1"/>
+          </p:cNvSpPr>
+          <p:nvPr>
+            <p:ph type="title"/>
+          </p:nvPr>
+        </p:nvSpPr>
+        <p:spPr/>
+        <p:txBody>
+          <a:bodyPr/>
+          <a:lstStyle/>
+          <a:p>
+            <a:r>
+              <a:rPr lang="en-ZA" dirty="0"/>
+              <a:t>Design, model and build a USAR robot platform</a:t>
+            </a:r>
+            <a:endParaRPr lang="en-GB" dirty="0"/>
+          </a:p>
+        </p:txBody>
+      </p:sp>
+    </p:spTree>
+    <p:extLst>
+      <p:ext uri="{BB962C8B-B14F-4D97-AF65-F5344CB8AC3E}">
+        <p14:creationId xmlns:p14="http://schemas.microsoft.com/office/powerpoint/2010/main" val="1411454713"/>
       </p:ext>
     </p:extLst>
   </p:cSld>
@@ -13316,15 +14997,6 @@
 </file>
 
 <file path=customXml/item1.xml><?xml version="1.0" encoding="utf-8"?>
-<?mso-contentType ?>
-<FormTemplates xmlns="http://schemas.microsoft.com/sharepoint/v3/contenttype/forms">
-  <Display>DocumentLibraryForm</Display>
-  <Edit>DocumentLibraryForm</Edit>
-  <New>DocumentLibraryForm</New>
-</FormTemplates>
-</file>
-
-<file path=customXml/item2.xml><?xml version="1.0" encoding="utf-8"?>
 <ct:contentTypeSchema xmlns:ct="http://schemas.microsoft.com/office/2006/metadata/contentType" xmlns:ma="http://schemas.microsoft.com/office/2006/metadata/properties/metaAttributes" ct:_="" ma:_="" ma:contentTypeName="Document" ma:contentTypeID="0x010100008C6D65BAC40A45BAB92F14DB5F4FAF" ma:contentTypeVersion="13" ma:contentTypeDescription="Create a new document." ma:contentTypeScope="" ma:versionID="4bebfb9a38d2a52932940e3bd172a61b">
   <xsd:schema xmlns:xsd="http://www.w3.org/2001/XMLSchema" xmlns:xs="http://www.w3.org/2001/XMLSchema" xmlns:p="http://schemas.microsoft.com/office/2006/metadata/properties" xmlns:ns2="88a3d677-9216-46c3-8201-ee58da5def3b" xmlns:ns3="dffefaba-9bcc-430d-9abe-09565c10f6ee" targetNamespace="http://schemas.microsoft.com/office/2006/metadata/properties" ma:root="true" ma:fieldsID="c2094452f851fe343f0223b9fe04b330" ns2:_="" ns3:_="">
     <xsd:import namespace="88a3d677-9216-46c3-8201-ee58da5def3b"/>
@@ -13547,21 +15219,22 @@
 </ct:contentTypeSchema>
 </file>
 
-<file path=customXml/item3.xml><?xml version="1.0" encoding="utf-8"?>
+<file path=customXml/item2.xml><?xml version="1.0" encoding="utf-8"?>
 <p:properties xmlns:p="http://schemas.microsoft.com/office/2006/metadata/properties" xmlns:xsi="http://www.w3.org/2001/XMLSchema-instance" xmlns:pc="http://schemas.microsoft.com/office/infopath/2007/PartnerControls">
   <documentManagement/>
 </p:properties>
 </file>
 
-<file path=customXml/itemProps1.xml><?xml version="1.0" encoding="utf-8"?>
-<ds:datastoreItem xmlns:ds="http://schemas.openxmlformats.org/officeDocument/2006/customXml" ds:itemID="{C406BB9A-01F9-409F-96E5-45269197913D}">
-  <ds:schemaRefs>
-    <ds:schemaRef ds:uri="http://schemas.microsoft.com/sharepoint/v3/contenttype/forms"/>
-  </ds:schemaRefs>
-</ds:datastoreItem>
+<file path=customXml/item3.xml><?xml version="1.0" encoding="utf-8"?>
+<?mso-contentType ?>
+<FormTemplates xmlns="http://schemas.microsoft.com/sharepoint/v3/contenttype/forms">
+  <Display>DocumentLibraryForm</Display>
+  <Edit>DocumentLibraryForm</Edit>
+  <New>DocumentLibraryForm</New>
+</FormTemplates>
 </file>
 
-<file path=customXml/itemProps2.xml><?xml version="1.0" encoding="utf-8"?>
+<file path=customXml/itemProps1.xml><?xml version="1.0" encoding="utf-8"?>
 <ds:datastoreItem xmlns:ds="http://schemas.openxmlformats.org/officeDocument/2006/customXml" ds:itemID="{97D16B6E-A21E-407C-BDDF-C737BEB85684}">
   <ds:schemaRefs>
     <ds:schemaRef ds:uri="http://schemas.microsoft.com/office/2006/metadata/contentType"/>
@@ -13580,11 +15253,19 @@
 </ds:datastoreItem>
 </file>
 
-<file path=customXml/itemProps3.xml><?xml version="1.0" encoding="utf-8"?>
+<file path=customXml/itemProps2.xml><?xml version="1.0" encoding="utf-8"?>
 <ds:datastoreItem xmlns:ds="http://schemas.openxmlformats.org/officeDocument/2006/customXml" ds:itemID="{865B3F05-4C73-4E81-8633-DC6293C95FE0}">
   <ds:schemaRefs>
     <ds:schemaRef ds:uri="http://schemas.microsoft.com/office/2006/metadata/properties"/>
     <ds:schemaRef ds:uri="http://schemas.microsoft.com/office/infopath/2007/PartnerControls"/>
   </ds:schemaRefs>
 </ds:datastoreItem>
+</file>
+
+<file path=customXml/itemProps3.xml><?xml version="1.0" encoding="utf-8"?>
+<ds:datastoreItem xmlns:ds="http://schemas.openxmlformats.org/officeDocument/2006/customXml" ds:itemID="{C406BB9A-01F9-409F-96E5-45269197913D}">
+  <ds:schemaRefs>
+    <ds:schemaRef ds:uri="http://schemas.microsoft.com/sharepoint/v3/contenttype/forms"/>
+  </ds:schemaRefs>
+</ds:datastoreItem>
 </file>